--- a/decks/01-OverviewF24.pptx
+++ b/decks/01-OverviewF24.pptx
@@ -51078,7 +51078,7 @@
               <a:t>fourfeatherz</a:t>
             </a:r>
             <a:r>
-              <a:rPr lang="en-US">
+              <a:rPr lang="en-US" dirty="0">
                 <a:hlinkClick r:id="rId2"/>
               </a:rPr>
               <a:t>/DS2002F24 (github.com)</a:t>
@@ -51095,6 +51095,22 @@
             <a:r>
               <a:rPr lang="en-US" dirty="0"/>
               <a:t>You can DM me Questions or to Set-up Office Hours</a:t>
+            </a:r>
+          </a:p>
+          <a:p>
+            <a:r>
+              <a:rPr lang="en-US" dirty="0"/>
+              <a:t>We will set up a Discord Channel for open questions, Q&amp;A…AMA</a:t>
+            </a:r>
+          </a:p>
+          <a:p>
+            <a:r>
+              <a:rPr lang="en-US" dirty="0"/>
+              <a:t>Get to </a:t>
+            </a:r>
+            <a:r>
+              <a:rPr lang="en-US"/>
+              <a:t>know GitHub</a:t>
             </a:r>
           </a:p>
         </p:txBody>
